--- a/impactMap V1.pptx
+++ b/impactMap V1.pptx
@@ -1736,7 +1736,7 @@
         <a:p>
           <a:r>
             <a:rPr lang="fr-FR" dirty="0"/>
-            <a:t>Visiteur</a:t>
+            <a:t>Visiteurs</a:t>
           </a:r>
         </a:p>
       </dgm:t>
@@ -3408,7 +3408,7 @@
           </a:pPr>
           <a:r>
             <a:rPr lang="fr-FR" sz="1200" kern="1200" dirty="0"/>
-            <a:t>Visiteur</a:t>
+            <a:t>Visiteurs</a:t>
           </a:r>
         </a:p>
       </dsp:txBody>
@@ -7331,7 +7331,7 @@
           <a:p>
             <a:fld id="{76642ED0-12D7-44A9-9F26-69E2EC9FA74E}" type="datetimeFigureOut">
               <a:rPr lang="fr-FR" smtClean="0"/>
-              <a:t>05/12/2019</a:t>
+              <a:t>26/01/2020</a:t>
             </a:fld>
             <a:endParaRPr lang="fr-FR"/>
           </a:p>
@@ -7582,7 +7582,7 @@
           <a:p>
             <a:fld id="{76642ED0-12D7-44A9-9F26-69E2EC9FA74E}" type="datetimeFigureOut">
               <a:rPr lang="fr-FR" smtClean="0"/>
-              <a:t>05/12/2019</a:t>
+              <a:t>26/01/2020</a:t>
             </a:fld>
             <a:endParaRPr lang="fr-FR"/>
           </a:p>
@@ -7896,7 +7896,7 @@
           <a:p>
             <a:fld id="{76642ED0-12D7-44A9-9F26-69E2EC9FA74E}" type="datetimeFigureOut">
               <a:rPr lang="fr-FR" smtClean="0"/>
-              <a:t>05/12/2019</a:t>
+              <a:t>26/01/2020</a:t>
             </a:fld>
             <a:endParaRPr lang="fr-FR"/>
           </a:p>
@@ -8237,7 +8237,7 @@
           <a:p>
             <a:fld id="{76642ED0-12D7-44A9-9F26-69E2EC9FA74E}" type="datetimeFigureOut">
               <a:rPr lang="fr-FR" smtClean="0"/>
-              <a:t>05/12/2019</a:t>
+              <a:t>26/01/2020</a:t>
             </a:fld>
             <a:endParaRPr lang="fr-FR"/>
           </a:p>
@@ -8551,7 +8551,7 @@
           <a:p>
             <a:fld id="{76642ED0-12D7-44A9-9F26-69E2EC9FA74E}" type="datetimeFigureOut">
               <a:rPr lang="fr-FR" smtClean="0"/>
-              <a:t>05/12/2019</a:t>
+              <a:t>26/01/2020</a:t>
             </a:fld>
             <a:endParaRPr lang="fr-FR"/>
           </a:p>
@@ -8944,7 +8944,7 @@
           <a:p>
             <a:fld id="{76642ED0-12D7-44A9-9F26-69E2EC9FA74E}" type="datetimeFigureOut">
               <a:rPr lang="fr-FR" smtClean="0"/>
-              <a:t>05/12/2019</a:t>
+              <a:t>26/01/2020</a:t>
             </a:fld>
             <a:endParaRPr lang="fr-FR"/>
           </a:p>
@@ -9114,7 +9114,7 @@
           <a:p>
             <a:fld id="{76642ED0-12D7-44A9-9F26-69E2EC9FA74E}" type="datetimeFigureOut">
               <a:rPr lang="fr-FR" smtClean="0"/>
-              <a:t>05/12/2019</a:t>
+              <a:t>26/01/2020</a:t>
             </a:fld>
             <a:endParaRPr lang="fr-FR"/>
           </a:p>
@@ -9294,7 +9294,7 @@
           <a:p>
             <a:fld id="{76642ED0-12D7-44A9-9F26-69E2EC9FA74E}" type="datetimeFigureOut">
               <a:rPr lang="fr-FR" smtClean="0"/>
-              <a:t>05/12/2019</a:t>
+              <a:t>26/01/2020</a:t>
             </a:fld>
             <a:endParaRPr lang="fr-FR"/>
           </a:p>
@@ -9470,7 +9470,7 @@
           <a:p>
             <a:fld id="{76642ED0-12D7-44A9-9F26-69E2EC9FA74E}" type="datetimeFigureOut">
               <a:rPr lang="fr-FR" smtClean="0"/>
-              <a:t>05/12/2019</a:t>
+              <a:t>26/01/2020</a:t>
             </a:fld>
             <a:endParaRPr lang="fr-FR"/>
           </a:p>
@@ -9717,7 +9717,7 @@
           <a:p>
             <a:fld id="{76642ED0-12D7-44A9-9F26-69E2EC9FA74E}" type="datetimeFigureOut">
               <a:rPr lang="fr-FR" smtClean="0"/>
-              <a:t>05/12/2019</a:t>
+              <a:t>26/01/2020</a:t>
             </a:fld>
             <a:endParaRPr lang="fr-FR"/>
           </a:p>
@@ -9949,7 +9949,7 @@
           <a:p>
             <a:fld id="{76642ED0-12D7-44A9-9F26-69E2EC9FA74E}" type="datetimeFigureOut">
               <a:rPr lang="fr-FR" smtClean="0"/>
-              <a:t>05/12/2019</a:t>
+              <a:t>26/01/2020</a:t>
             </a:fld>
             <a:endParaRPr lang="fr-FR"/>
           </a:p>
@@ -10323,7 +10323,7 @@
           <a:p>
             <a:fld id="{76642ED0-12D7-44A9-9F26-69E2EC9FA74E}" type="datetimeFigureOut">
               <a:rPr lang="fr-FR" smtClean="0"/>
-              <a:t>05/12/2019</a:t>
+              <a:t>26/01/2020</a:t>
             </a:fld>
             <a:endParaRPr lang="fr-FR"/>
           </a:p>
@@ -10446,7 +10446,7 @@
           <a:p>
             <a:fld id="{76642ED0-12D7-44A9-9F26-69E2EC9FA74E}" type="datetimeFigureOut">
               <a:rPr lang="fr-FR" smtClean="0"/>
-              <a:t>05/12/2019</a:t>
+              <a:t>26/01/2020</a:t>
             </a:fld>
             <a:endParaRPr lang="fr-FR"/>
           </a:p>
@@ -10541,7 +10541,7 @@
           <a:p>
             <a:fld id="{76642ED0-12D7-44A9-9F26-69E2EC9FA74E}" type="datetimeFigureOut">
               <a:rPr lang="fr-FR" smtClean="0"/>
-              <a:t>05/12/2019</a:t>
+              <a:t>26/01/2020</a:t>
             </a:fld>
             <a:endParaRPr lang="fr-FR"/>
           </a:p>
@@ -10796,7 +10796,7 @@
           <a:p>
             <a:fld id="{76642ED0-12D7-44A9-9F26-69E2EC9FA74E}" type="datetimeFigureOut">
               <a:rPr lang="fr-FR" smtClean="0"/>
-              <a:t>05/12/2019</a:t>
+              <a:t>26/01/2020</a:t>
             </a:fld>
             <a:endParaRPr lang="fr-FR"/>
           </a:p>
@@ -11059,7 +11059,7 @@
           <a:p>
             <a:fld id="{76642ED0-12D7-44A9-9F26-69E2EC9FA74E}" type="datetimeFigureOut">
               <a:rPr lang="fr-FR" smtClean="0"/>
-              <a:t>05/12/2019</a:t>
+              <a:t>26/01/2020</a:t>
             </a:fld>
             <a:endParaRPr lang="fr-FR"/>
           </a:p>
@@ -11802,7 +11802,7 @@
           <a:p>
             <a:fld id="{76642ED0-12D7-44A9-9F26-69E2EC9FA74E}" type="datetimeFigureOut">
               <a:rPr lang="fr-FR" smtClean="0"/>
-              <a:t>05/12/2019</a:t>
+              <a:t>26/01/2020</a:t>
             </a:fld>
             <a:endParaRPr lang="fr-FR"/>
           </a:p>
@@ -12339,7 +12339,7 @@
           <p:nvPr>
             <p:extLst>
               <p:ext uri="{D42A27DB-BD31-4B8C-83A1-F6EECF244321}">
-                <p14:modId xmlns:p14="http://schemas.microsoft.com/office/powerpoint/2010/main" val="1932403551"/>
+                <p14:modId xmlns:p14="http://schemas.microsoft.com/office/powerpoint/2010/main" val="1294247501"/>
               </p:ext>
             </p:extLst>
           </p:nvPr>
